--- a/database/slides/ALL_TO_JESUS_I_SURRENDER.pptx
+++ b/database/slides/ALL_TO_JESUS_I_SURRENDER.pptx
@@ -16087,7 +16087,13 @@
       </p:sp>
       <p:sp>
         <p:nvSpPr>
-          <p:cNvPr id="131" name="Google Shape;131;p25"/>
+          <p:cNvPr id="2" name="Google Shape;131;p25">
+            <a:extLst>
+              <a:ext uri="{FF2B5EF4-FFF2-40B4-BE49-F238E27FC236}">
+                <a16:creationId xmlns:a16="http://schemas.microsoft.com/office/drawing/2014/main" id="{72AA831E-0580-DF4B-AAFA-33E15C8E17CA}"/>
+              </a:ext>
+            </a:extLst>
+          </p:cNvPr>
           <p:cNvSpPr txBox="1"/>
           <p:nvPr/>
         </p:nvSpPr>
@@ -16110,14 +16116,22 @@
           </a:bodyPr>
           <a:lstStyle/>
           <a:p>
-            <a:pPr>
+            <a:pPr marL="0" lvl="0" indent="0" algn="l" rtl="0">
+              <a:spcBef>
+                <a:spcPts val="0"/>
+              </a:spcBef>
+              <a:spcAft>
+                <a:spcPts val="0"/>
+              </a:spcAft>
               <a:buClr>
                 <a:schemeClr val="lt1"/>
               </a:buClr>
               <a:buSzPts val="3200"/>
+              <a:buFont typeface="Arial"/>
+              <a:buNone/>
             </a:pPr>
             <a:r>
-              <a:rPr lang="en-GB" sz="3600" b="1" i="1" dirty="0">
+              <a:rPr lang="en-GB" sz="3600" b="1" i="1">
                 <a:solidFill>
                   <a:srgbClr val="FFFF00"/>
                 </a:solidFill>
@@ -16128,7 +16142,7 @@
               </a:rPr>
               <a:t>contd..</a:t>
             </a:r>
-            <a:endParaRPr lang="en-GB" sz="3600" dirty="0">
+            <a:endParaRPr sz="3600">
               <a:latin typeface="Calibri"/>
               <a:ea typeface="Calibri"/>
               <a:cs typeface="Calibri"/>
@@ -16485,10 +16499,10 @@
       </p:sp>
       <p:sp>
         <p:nvSpPr>
-          <p:cNvPr id="131" name="Google Shape;131;p25">
+          <p:cNvPr id="2" name="Google Shape;131;p25">
             <a:extLst>
               <a:ext uri="{FF2B5EF4-FFF2-40B4-BE49-F238E27FC236}">
-                <a16:creationId xmlns:a16="http://schemas.microsoft.com/office/drawing/2014/main" id="{860DCD1A-75C7-F948-8286-A44F03CCBB55}"/>
+                <a16:creationId xmlns:a16="http://schemas.microsoft.com/office/drawing/2014/main" id="{78FA4C69-402E-6D1A-B007-28A23D905AD8}"/>
               </a:ext>
             </a:extLst>
           </p:cNvPr>
@@ -16514,14 +16528,22 @@
           </a:bodyPr>
           <a:lstStyle/>
           <a:p>
-            <a:pPr>
+            <a:pPr marL="0" lvl="0" indent="0" algn="l" rtl="0">
+              <a:spcBef>
+                <a:spcPts val="0"/>
+              </a:spcBef>
+              <a:spcAft>
+                <a:spcPts val="0"/>
+              </a:spcAft>
               <a:buClr>
                 <a:schemeClr val="lt1"/>
               </a:buClr>
               <a:buSzPts val="3200"/>
+              <a:buFont typeface="Arial"/>
+              <a:buNone/>
             </a:pPr>
             <a:r>
-              <a:rPr lang="en-GB" sz="3600" b="1" i="1" dirty="0">
+              <a:rPr lang="en-GB" sz="3600" b="1" i="1">
                 <a:solidFill>
                   <a:srgbClr val="FFFF00"/>
                 </a:solidFill>
@@ -16532,7 +16554,7 @@
               </a:rPr>
               <a:t>contd..</a:t>
             </a:r>
-            <a:endParaRPr lang="en-GB" sz="3600" dirty="0">
+            <a:endParaRPr sz="3600">
               <a:latin typeface="Calibri"/>
               <a:ea typeface="Calibri"/>
               <a:cs typeface="Calibri"/>
@@ -16867,10 +16889,10 @@
       </p:sp>
       <p:sp>
         <p:nvSpPr>
-          <p:cNvPr id="131" name="Google Shape;131;p25">
+          <p:cNvPr id="2" name="Google Shape;131;p25">
             <a:extLst>
               <a:ext uri="{FF2B5EF4-FFF2-40B4-BE49-F238E27FC236}">
-                <a16:creationId xmlns:a16="http://schemas.microsoft.com/office/drawing/2014/main" id="{4B94E8DB-9DC3-12FF-2400-956AB18C3E40}"/>
+                <a16:creationId xmlns:a16="http://schemas.microsoft.com/office/drawing/2014/main" id="{4B15F2CF-0EE9-FB16-AC7C-E3FC879FFDFB}"/>
               </a:ext>
             </a:extLst>
           </p:cNvPr>
@@ -16896,14 +16918,22 @@
           </a:bodyPr>
           <a:lstStyle/>
           <a:p>
-            <a:pPr>
+            <a:pPr marL="0" lvl="0" indent="0" algn="l" rtl="0">
+              <a:spcBef>
+                <a:spcPts val="0"/>
+              </a:spcBef>
+              <a:spcAft>
+                <a:spcPts val="0"/>
+              </a:spcAft>
               <a:buClr>
                 <a:schemeClr val="lt1"/>
               </a:buClr>
               <a:buSzPts val="3200"/>
+              <a:buFont typeface="Arial"/>
+              <a:buNone/>
             </a:pPr>
             <a:r>
-              <a:rPr lang="en-GB" sz="3600" b="1" i="1" dirty="0">
+              <a:rPr lang="en-GB" sz="3600" b="1" i="1">
                 <a:solidFill>
                   <a:srgbClr val="FFFF00"/>
                 </a:solidFill>
@@ -16914,7 +16944,7 @@
               </a:rPr>
               <a:t>contd..</a:t>
             </a:r>
-            <a:endParaRPr lang="en-GB" sz="3600" dirty="0">
+            <a:endParaRPr sz="3600">
               <a:latin typeface="Calibri"/>
               <a:ea typeface="Calibri"/>
               <a:cs typeface="Calibri"/>
